--- a/Documents/DEVWAHRPHOBIA-PlAYBOOK.pptx
+++ b/Documents/DEVWAHRPHOBIA-PlAYBOOK.pptx
@@ -4,15 +4,19 @@
   <p:sldMasterIdLst>
     <p:sldMasterId id="2147483660" r:id="rId1"/>
   </p:sldMasterIdLst>
+  <p:notesMasterIdLst>
+    <p:notesMasterId r:id="rId11"/>
+  </p:notesMasterIdLst>
   <p:sldIdLst>
     <p:sldId id="256" r:id="rId2"/>
     <p:sldId id="257" r:id="rId3"/>
-    <p:sldId id="258" r:id="rId4"/>
+    <p:sldId id="262" r:id="rId4"/>
     <p:sldId id="259" r:id="rId5"/>
-    <p:sldId id="262" r:id="rId6"/>
-    <p:sldId id="260" r:id="rId7"/>
-    <p:sldId id="261" r:id="rId8"/>
-    <p:sldId id="263" r:id="rId9"/>
+    <p:sldId id="260" r:id="rId6"/>
+    <p:sldId id="261" r:id="rId7"/>
+    <p:sldId id="263" r:id="rId8"/>
+    <p:sldId id="264" r:id="rId9"/>
+    <p:sldId id="265" r:id="rId10"/>
   </p:sldIdLst>
   <p:sldSz cx="12192000" cy="6858000"/>
   <p:notesSz cx="6858000" cy="9144000"/>
@@ -111,7 +115,361 @@
       </a:defRPr>
     </a:lvl9pPr>
   </p:defaultTextStyle>
+  <p:extLst>
+    <p:ext uri="{EFAFB233-063F-42B5-8137-9DF3F51BA10A}">
+      <p15:sldGuideLst xmlns:p15="http://schemas.microsoft.com/office/powerpoint/2012/main"/>
+    </p:ext>
+  </p:extLst>
 </p:presentation>
+</file>
+
+<file path=ppt/notesMasters/notesMaster1.xml><?xml version="1.0" encoding="utf-8"?>
+<p:notesMaster xmlns:a="http://schemas.openxmlformats.org/drawingml/2006/main" xmlns:r="http://schemas.openxmlformats.org/officeDocument/2006/relationships" xmlns:p="http://schemas.openxmlformats.org/presentationml/2006/main">
+  <p:cSld>
+    <p:bg>
+      <p:bgRef idx="1001">
+        <a:schemeClr val="bg1"/>
+      </p:bgRef>
+    </p:bg>
+    <p:spTree>
+      <p:nvGrpSpPr>
+        <p:cNvPr id="1" name=""/>
+        <p:cNvGrpSpPr/>
+        <p:nvPr/>
+      </p:nvGrpSpPr>
+      <p:grpSpPr>
+        <a:xfrm>
+          <a:off x="0" y="0"/>
+          <a:ext cx="0" cy="0"/>
+          <a:chOff x="0" y="0"/>
+          <a:chExt cx="0" cy="0"/>
+        </a:xfrm>
+      </p:grpSpPr>
+      <p:sp>
+        <p:nvSpPr>
+          <p:cNvPr id="2" name="Header Placeholder 1"/>
+          <p:cNvSpPr>
+            <a:spLocks noGrp="1"/>
+          </p:cNvSpPr>
+          <p:nvPr>
+            <p:ph type="hdr" sz="quarter"/>
+          </p:nvPr>
+        </p:nvSpPr>
+        <p:spPr>
+          <a:xfrm>
+            <a:off x="0" y="0"/>
+            <a:ext cx="2971800" cy="458788"/>
+          </a:xfrm>
+          <a:prstGeom prst="rect">
+            <a:avLst/>
+          </a:prstGeom>
+        </p:spPr>
+        <p:txBody>
+          <a:bodyPr vert="horz" lIns="91440" tIns="45720" rIns="91440" bIns="45720" rtlCol="0"/>
+          <a:lstStyle>
+            <a:lvl1pPr algn="l">
+              <a:defRPr sz="1200"/>
+            </a:lvl1pPr>
+          </a:lstStyle>
+          <a:p>
+            <a:endParaRPr lang="en-US"/>
+          </a:p>
+        </p:txBody>
+      </p:sp>
+      <p:sp>
+        <p:nvSpPr>
+          <p:cNvPr id="3" name="Date Placeholder 2"/>
+          <p:cNvSpPr>
+            <a:spLocks noGrp="1"/>
+          </p:cNvSpPr>
+          <p:nvPr>
+            <p:ph type="dt" idx="1"/>
+          </p:nvPr>
+        </p:nvSpPr>
+        <p:spPr>
+          <a:xfrm>
+            <a:off x="3884613" y="0"/>
+            <a:ext cx="2971800" cy="458788"/>
+          </a:xfrm>
+          <a:prstGeom prst="rect">
+            <a:avLst/>
+          </a:prstGeom>
+        </p:spPr>
+        <p:txBody>
+          <a:bodyPr vert="horz" lIns="91440" tIns="45720" rIns="91440" bIns="45720" rtlCol="0"/>
+          <a:lstStyle>
+            <a:lvl1pPr algn="r">
+              <a:defRPr sz="1200"/>
+            </a:lvl1pPr>
+          </a:lstStyle>
+          <a:p>
+            <a:fld id="{5961B5E2-A6A1-4617-953A-AEA7A640C0F2}" type="datetimeFigureOut">
+              <a:rPr lang="en-US" smtClean="0"/>
+              <a:t>11/9/2021</a:t>
+            </a:fld>
+            <a:endParaRPr lang="en-US"/>
+          </a:p>
+        </p:txBody>
+      </p:sp>
+      <p:sp>
+        <p:nvSpPr>
+          <p:cNvPr id="4" name="Slide Image Placeholder 3"/>
+          <p:cNvSpPr>
+            <a:spLocks noGrp="1" noRot="1" noChangeAspect="1"/>
+          </p:cNvSpPr>
+          <p:nvPr>
+            <p:ph type="sldImg" idx="2"/>
+          </p:nvPr>
+        </p:nvSpPr>
+        <p:spPr>
+          <a:xfrm>
+            <a:off x="685800" y="1143000"/>
+            <a:ext cx="5486400" cy="3086100"/>
+          </a:xfrm>
+          <a:prstGeom prst="rect">
+            <a:avLst/>
+          </a:prstGeom>
+          <a:noFill/>
+          <a:ln w="12700">
+            <a:solidFill>
+              <a:prstClr val="black"/>
+            </a:solidFill>
+          </a:ln>
+        </p:spPr>
+        <p:txBody>
+          <a:bodyPr vert="horz" lIns="91440" tIns="45720" rIns="91440" bIns="45720" rtlCol="0" anchor="ctr"/>
+          <a:lstStyle/>
+          <a:p>
+            <a:endParaRPr lang="en-US"/>
+          </a:p>
+        </p:txBody>
+      </p:sp>
+      <p:sp>
+        <p:nvSpPr>
+          <p:cNvPr id="5" name="Notes Placeholder 4"/>
+          <p:cNvSpPr>
+            <a:spLocks noGrp="1"/>
+          </p:cNvSpPr>
+          <p:nvPr>
+            <p:ph type="body" sz="quarter" idx="3"/>
+          </p:nvPr>
+        </p:nvSpPr>
+        <p:spPr>
+          <a:xfrm>
+            <a:off x="685800" y="4400550"/>
+            <a:ext cx="5486400" cy="3600450"/>
+          </a:xfrm>
+          <a:prstGeom prst="rect">
+            <a:avLst/>
+          </a:prstGeom>
+        </p:spPr>
+        <p:txBody>
+          <a:bodyPr vert="horz" lIns="91440" tIns="45720" rIns="91440" bIns="45720" rtlCol="0"/>
+          <a:lstStyle/>
+          <a:p>
+            <a:pPr lvl="0"/>
+            <a:r>
+              <a:rPr lang="en-US"/>
+              <a:t>Click to edit Master text styles</a:t>
+            </a:r>
+          </a:p>
+          <a:p>
+            <a:pPr lvl="1"/>
+            <a:r>
+              <a:rPr lang="en-US"/>
+              <a:t>Second level</a:t>
+            </a:r>
+          </a:p>
+          <a:p>
+            <a:pPr lvl="2"/>
+            <a:r>
+              <a:rPr lang="en-US"/>
+              <a:t>Third level</a:t>
+            </a:r>
+          </a:p>
+          <a:p>
+            <a:pPr lvl="3"/>
+            <a:r>
+              <a:rPr lang="en-US"/>
+              <a:t>Fourth level</a:t>
+            </a:r>
+          </a:p>
+          <a:p>
+            <a:pPr lvl="4"/>
+            <a:r>
+              <a:rPr lang="en-US"/>
+              <a:t>Fifth level</a:t>
+            </a:r>
+          </a:p>
+        </p:txBody>
+      </p:sp>
+      <p:sp>
+        <p:nvSpPr>
+          <p:cNvPr id="6" name="Footer Placeholder 5"/>
+          <p:cNvSpPr>
+            <a:spLocks noGrp="1"/>
+          </p:cNvSpPr>
+          <p:nvPr>
+            <p:ph type="ftr" sz="quarter" idx="4"/>
+          </p:nvPr>
+        </p:nvSpPr>
+        <p:spPr>
+          <a:xfrm>
+            <a:off x="0" y="8685213"/>
+            <a:ext cx="2971800" cy="458787"/>
+          </a:xfrm>
+          <a:prstGeom prst="rect">
+            <a:avLst/>
+          </a:prstGeom>
+        </p:spPr>
+        <p:txBody>
+          <a:bodyPr vert="horz" lIns="91440" tIns="45720" rIns="91440" bIns="45720" rtlCol="0" anchor="b"/>
+          <a:lstStyle>
+            <a:lvl1pPr algn="l">
+              <a:defRPr sz="1200"/>
+            </a:lvl1pPr>
+          </a:lstStyle>
+          <a:p>
+            <a:endParaRPr lang="en-US"/>
+          </a:p>
+        </p:txBody>
+      </p:sp>
+      <p:sp>
+        <p:nvSpPr>
+          <p:cNvPr id="7" name="Slide Number Placeholder 6"/>
+          <p:cNvSpPr>
+            <a:spLocks noGrp="1"/>
+          </p:cNvSpPr>
+          <p:nvPr>
+            <p:ph type="sldNum" sz="quarter" idx="5"/>
+          </p:nvPr>
+        </p:nvSpPr>
+        <p:spPr>
+          <a:xfrm>
+            <a:off x="3884613" y="8685213"/>
+            <a:ext cx="2971800" cy="458787"/>
+          </a:xfrm>
+          <a:prstGeom prst="rect">
+            <a:avLst/>
+          </a:prstGeom>
+        </p:spPr>
+        <p:txBody>
+          <a:bodyPr vert="horz" lIns="91440" tIns="45720" rIns="91440" bIns="45720" rtlCol="0" anchor="b"/>
+          <a:lstStyle>
+            <a:lvl1pPr algn="r">
+              <a:defRPr sz="1200"/>
+            </a:lvl1pPr>
+          </a:lstStyle>
+          <a:p>
+            <a:fld id="{B10E4CB7-D5CF-4B6B-A1B9-8DF18BC90103}" type="slidenum">
+              <a:rPr lang="en-US" smtClean="0"/>
+              <a:t>‹#›</a:t>
+            </a:fld>
+            <a:endParaRPr lang="en-US"/>
+          </a:p>
+        </p:txBody>
+      </p:sp>
+    </p:spTree>
+    <p:extLst>
+      <p:ext uri="{BB962C8B-B14F-4D97-AF65-F5344CB8AC3E}">
+        <p14:creationId xmlns:p14="http://schemas.microsoft.com/office/powerpoint/2010/main" val="3293103484"/>
+      </p:ext>
+    </p:extLst>
+  </p:cSld>
+  <p:clrMap bg1="lt1" tx1="dk1" bg2="lt2" tx2="dk2" accent1="accent1" accent2="accent2" accent3="accent3" accent4="accent4" accent5="accent5" accent6="accent6" hlink="hlink" folHlink="folHlink"/>
+  <p:notesStyle>
+    <a:lvl1pPr marL="0" algn="l" defTabSz="914400" rtl="0" eaLnBrk="1" latinLnBrk="0" hangingPunct="1">
+      <a:defRPr sz="1200" kern="1200">
+        <a:solidFill>
+          <a:schemeClr val="tx1"/>
+        </a:solidFill>
+        <a:latin typeface="+mn-lt"/>
+        <a:ea typeface="+mn-ea"/>
+        <a:cs typeface="+mn-cs"/>
+      </a:defRPr>
+    </a:lvl1pPr>
+    <a:lvl2pPr marL="457200" algn="l" defTabSz="914400" rtl="0" eaLnBrk="1" latinLnBrk="0" hangingPunct="1">
+      <a:defRPr sz="1200" kern="1200">
+        <a:solidFill>
+          <a:schemeClr val="tx1"/>
+        </a:solidFill>
+        <a:latin typeface="+mn-lt"/>
+        <a:ea typeface="+mn-ea"/>
+        <a:cs typeface="+mn-cs"/>
+      </a:defRPr>
+    </a:lvl2pPr>
+    <a:lvl3pPr marL="914400" algn="l" defTabSz="914400" rtl="0" eaLnBrk="1" latinLnBrk="0" hangingPunct="1">
+      <a:defRPr sz="1200" kern="1200">
+        <a:solidFill>
+          <a:schemeClr val="tx1"/>
+        </a:solidFill>
+        <a:latin typeface="+mn-lt"/>
+        <a:ea typeface="+mn-ea"/>
+        <a:cs typeface="+mn-cs"/>
+      </a:defRPr>
+    </a:lvl3pPr>
+    <a:lvl4pPr marL="1371600" algn="l" defTabSz="914400" rtl="0" eaLnBrk="1" latinLnBrk="0" hangingPunct="1">
+      <a:defRPr sz="1200" kern="1200">
+        <a:solidFill>
+          <a:schemeClr val="tx1"/>
+        </a:solidFill>
+        <a:latin typeface="+mn-lt"/>
+        <a:ea typeface="+mn-ea"/>
+        <a:cs typeface="+mn-cs"/>
+      </a:defRPr>
+    </a:lvl4pPr>
+    <a:lvl5pPr marL="1828800" algn="l" defTabSz="914400" rtl="0" eaLnBrk="1" latinLnBrk="0" hangingPunct="1">
+      <a:defRPr sz="1200" kern="1200">
+        <a:solidFill>
+          <a:schemeClr val="tx1"/>
+        </a:solidFill>
+        <a:latin typeface="+mn-lt"/>
+        <a:ea typeface="+mn-ea"/>
+        <a:cs typeface="+mn-cs"/>
+      </a:defRPr>
+    </a:lvl5pPr>
+    <a:lvl6pPr marL="2286000" algn="l" defTabSz="914400" rtl="0" eaLnBrk="1" latinLnBrk="0" hangingPunct="1">
+      <a:defRPr sz="1200" kern="1200">
+        <a:solidFill>
+          <a:schemeClr val="tx1"/>
+        </a:solidFill>
+        <a:latin typeface="+mn-lt"/>
+        <a:ea typeface="+mn-ea"/>
+        <a:cs typeface="+mn-cs"/>
+      </a:defRPr>
+    </a:lvl6pPr>
+    <a:lvl7pPr marL="2743200" algn="l" defTabSz="914400" rtl="0" eaLnBrk="1" latinLnBrk="0" hangingPunct="1">
+      <a:defRPr sz="1200" kern="1200">
+        <a:solidFill>
+          <a:schemeClr val="tx1"/>
+        </a:solidFill>
+        <a:latin typeface="+mn-lt"/>
+        <a:ea typeface="+mn-ea"/>
+        <a:cs typeface="+mn-cs"/>
+      </a:defRPr>
+    </a:lvl7pPr>
+    <a:lvl8pPr marL="3200400" algn="l" defTabSz="914400" rtl="0" eaLnBrk="1" latinLnBrk="0" hangingPunct="1">
+      <a:defRPr sz="1200" kern="1200">
+        <a:solidFill>
+          <a:schemeClr val="tx1"/>
+        </a:solidFill>
+        <a:latin typeface="+mn-lt"/>
+        <a:ea typeface="+mn-ea"/>
+        <a:cs typeface="+mn-cs"/>
+      </a:defRPr>
+    </a:lvl8pPr>
+    <a:lvl9pPr marL="3657600" algn="l" defTabSz="914400" rtl="0" eaLnBrk="1" latinLnBrk="0" hangingPunct="1">
+      <a:defRPr sz="1200" kern="1200">
+        <a:solidFill>
+          <a:schemeClr val="tx1"/>
+        </a:solidFill>
+        <a:latin typeface="+mn-lt"/>
+        <a:ea typeface="+mn-ea"/>
+        <a:cs typeface="+mn-cs"/>
+      </a:defRPr>
+    </a:lvl9pPr>
+  </p:notesStyle>
+</p:notesMaster>
 </file>
 
 <file path=ppt/slideLayouts/slideLayout1.xml><?xml version="1.0" encoding="utf-8"?>
@@ -338,9 +696,9 @@
           <a:bodyPr/>
           <a:lstStyle/>
           <a:p>
-            <a:fld id="{03553EC0-108E-4E0C-8D4C-E95D0C315E08}" type="datetimeFigureOut">
+            <a:fld id="{15584A21-098A-442D-996E-BEB6A3F8132A}" type="datetime1">
               <a:rPr lang="en-US" smtClean="0"/>
-              <a:t>11/8/2021</a:t>
+              <a:t>11/9/2021</a:t>
             </a:fld>
             <a:endParaRPr lang="en-US"/>
           </a:p>
@@ -546,9 +904,9 @@
           <a:bodyPr/>
           <a:lstStyle/>
           <a:p>
-            <a:fld id="{03553EC0-108E-4E0C-8D4C-E95D0C315E08}" type="datetimeFigureOut">
+            <a:fld id="{69EBE512-69BC-4FA7-B37C-EDA6F8F2A694}" type="datetime1">
               <a:rPr lang="en-US" smtClean="0"/>
-              <a:t>11/8/2021</a:t>
+              <a:t>11/9/2021</a:t>
             </a:fld>
             <a:endParaRPr lang="en-US"/>
           </a:p>
@@ -802,9 +1160,9 @@
           <a:bodyPr/>
           <a:lstStyle/>
           <a:p>
-            <a:fld id="{03553EC0-108E-4E0C-8D4C-E95D0C315E08}" type="datetimeFigureOut">
+            <a:fld id="{EE8C0508-C519-4264-80F2-5E2A80D46B78}" type="datetime1">
               <a:rPr lang="en-US" smtClean="0"/>
-              <a:t>11/8/2021</a:t>
+              <a:t>11/9/2021</a:t>
             </a:fld>
             <a:endParaRPr lang="en-US"/>
           </a:p>
@@ -976,9 +1334,9 @@
           <a:bodyPr/>
           <a:lstStyle/>
           <a:p>
-            <a:fld id="{03553EC0-108E-4E0C-8D4C-E95D0C315E08}" type="datetimeFigureOut">
+            <a:fld id="{33C4D5AD-0FC0-4B0D-8544-C17C64E614D2}" type="datetime1">
               <a:rPr lang="en-US" smtClean="0"/>
-              <a:t>11/8/2021</a:t>
+              <a:t>11/9/2021</a:t>
             </a:fld>
             <a:endParaRPr lang="en-US"/>
           </a:p>
@@ -1319,9 +1677,9 @@
           <a:bodyPr/>
           <a:lstStyle/>
           <a:p>
-            <a:fld id="{03553EC0-108E-4E0C-8D4C-E95D0C315E08}" type="datetimeFigureOut">
+            <a:fld id="{32C5FDE9-0F72-4E52-9623-A15288B8803F}" type="datetime1">
               <a:rPr lang="en-US" smtClean="0"/>
-              <a:t>11/8/2021</a:t>
+              <a:t>11/9/2021</a:t>
             </a:fld>
             <a:endParaRPr lang="en-US"/>
           </a:p>
@@ -1594,9 +1952,9 @@
           <a:bodyPr/>
           <a:lstStyle/>
           <a:p>
-            <a:fld id="{03553EC0-108E-4E0C-8D4C-E95D0C315E08}" type="datetimeFigureOut">
+            <a:fld id="{B6B89161-F4B9-4361-9922-91879B8E1FD5}" type="datetime1">
               <a:rPr lang="en-US" smtClean="0"/>
-              <a:t>11/8/2021</a:t>
+              <a:t>11/9/2021</a:t>
             </a:fld>
             <a:endParaRPr lang="en-US"/>
           </a:p>
@@ -1973,9 +2331,9 @@
           <a:bodyPr/>
           <a:lstStyle/>
           <a:p>
-            <a:fld id="{03553EC0-108E-4E0C-8D4C-E95D0C315E08}" type="datetimeFigureOut">
+            <a:fld id="{8A5C7BE9-6A4C-4564-879E-81B3112FBAD1}" type="datetime1">
               <a:rPr lang="en-US" smtClean="0"/>
-              <a:t>11/8/2021</a:t>
+              <a:t>11/9/2021</a:t>
             </a:fld>
             <a:endParaRPr lang="en-US"/>
           </a:p>
@@ -2091,9 +2449,9 @@
           <a:bodyPr/>
           <a:lstStyle/>
           <a:p>
-            <a:fld id="{03553EC0-108E-4E0C-8D4C-E95D0C315E08}" type="datetimeFigureOut">
+            <a:fld id="{8502C4EC-D860-4A9B-A8BF-F8256B5096BE}" type="datetime1">
               <a:rPr lang="en-US" smtClean="0"/>
-              <a:t>11/8/2021</a:t>
+              <a:t>11/9/2021</a:t>
             </a:fld>
             <a:endParaRPr lang="en-US"/>
           </a:p>
@@ -2262,9 +2620,9 @@
           <a:bodyPr/>
           <a:lstStyle/>
           <a:p>
-            <a:fld id="{03553EC0-108E-4E0C-8D4C-E95D0C315E08}" type="datetimeFigureOut">
+            <a:fld id="{D9DA8E5D-17C0-463F-9984-D898F9430936}" type="datetime1">
               <a:rPr lang="en-US" smtClean="0"/>
-              <a:t>11/8/2021</a:t>
+              <a:t>11/9/2021</a:t>
             </a:fld>
             <a:endParaRPr lang="en-US"/>
           </a:p>
@@ -2616,9 +2974,9 @@
             </a:lvl1pPr>
           </a:lstStyle>
           <a:p>
-            <a:fld id="{03553EC0-108E-4E0C-8D4C-E95D0C315E08}" type="datetimeFigureOut">
+            <a:fld id="{820DC5A6-2DEC-4C99-8AE9-2651BE9E0804}" type="datetime1">
               <a:rPr lang="en-US" smtClean="0"/>
-              <a:t>11/8/2021</a:t>
+              <a:t>11/9/2021</a:t>
             </a:fld>
             <a:endParaRPr lang="en-US"/>
           </a:p>
@@ -2998,9 +3356,9 @@
           <a:bodyPr/>
           <a:lstStyle/>
           <a:p>
-            <a:fld id="{03553EC0-108E-4E0C-8D4C-E95D0C315E08}" type="datetimeFigureOut">
+            <a:fld id="{1C16CF5A-7D48-478A-8B5B-151246EAB82D}" type="datetime1">
               <a:rPr lang="en-US" smtClean="0"/>
-              <a:t>11/8/2021</a:t>
+              <a:t>11/9/2021</a:t>
             </a:fld>
             <a:endParaRPr lang="en-US"/>
           </a:p>
@@ -3285,9 +3643,9 @@
             </a:lvl1pPr>
           </a:lstStyle>
           <a:p>
-            <a:fld id="{03553EC0-108E-4E0C-8D4C-E95D0C315E08}" type="datetimeFigureOut">
+            <a:fld id="{A5B01676-B3DF-4F96-997E-FC76A8142BB6}" type="datetime1">
               <a:rPr lang="en-US" smtClean="0"/>
-              <a:t>11/8/2021</a:t>
+              <a:t>11/9/2021</a:t>
             </a:fld>
             <a:endParaRPr lang="en-US"/>
           </a:p>
@@ -3426,6 +3784,7 @@
     <p:sldLayoutId id="2147483670" r:id="rId10"/>
     <p:sldLayoutId id="2147483671" r:id="rId11"/>
   </p:sldLayoutIdLst>
+  <p:hf hdr="0" ftr="0" dt="0"/>
   <p:txStyles>
     <p:titleStyle>
       <a:lvl1pPr algn="l" defTabSz="914400" rtl="0" eaLnBrk="1" latinLnBrk="0" hangingPunct="1">
@@ -3867,6 +4226,35 @@
           </a:p>
         </p:txBody>
       </p:sp>
+      <p:sp>
+        <p:nvSpPr>
+          <p:cNvPr id="4" name="Slide Number Placeholder 3">
+            <a:extLst>
+              <a:ext uri="{FF2B5EF4-FFF2-40B4-BE49-F238E27FC236}">
+                <a16:creationId xmlns:a16="http://schemas.microsoft.com/office/drawing/2014/main" id="{5370D8CB-51C6-44DD-B441-DA113C264DD5}"/>
+              </a:ext>
+            </a:extLst>
+          </p:cNvPr>
+          <p:cNvSpPr>
+            <a:spLocks noGrp="1"/>
+          </p:cNvSpPr>
+          <p:nvPr>
+            <p:ph type="sldNum" sz="quarter" idx="12"/>
+          </p:nvPr>
+        </p:nvSpPr>
+        <p:spPr/>
+        <p:txBody>
+          <a:bodyPr/>
+          <a:lstStyle/>
+          <a:p>
+            <a:fld id="{4361536F-BA69-4825-9F27-447B4204B421}" type="slidenum">
+              <a:rPr lang="en-US" smtClean="0"/>
+              <a:t>1</a:t>
+            </a:fld>
+            <a:endParaRPr lang="en-US"/>
+          </a:p>
+        </p:txBody>
+      </p:sp>
     </p:spTree>
     <p:extLst>
       <p:ext uri="{BB962C8B-B14F-4D97-AF65-F5344CB8AC3E}">
@@ -3983,6 +4371,35 @@
           </a:p>
         </p:txBody>
       </p:sp>
+      <p:sp>
+        <p:nvSpPr>
+          <p:cNvPr id="4" name="Slide Number Placeholder 3">
+            <a:extLst>
+              <a:ext uri="{FF2B5EF4-FFF2-40B4-BE49-F238E27FC236}">
+                <a16:creationId xmlns:a16="http://schemas.microsoft.com/office/drawing/2014/main" id="{87CA6161-CDA6-40B5-B832-807806E46D02}"/>
+              </a:ext>
+            </a:extLst>
+          </p:cNvPr>
+          <p:cNvSpPr>
+            <a:spLocks noGrp="1"/>
+          </p:cNvSpPr>
+          <p:nvPr>
+            <p:ph type="sldNum" sz="quarter" idx="12"/>
+          </p:nvPr>
+        </p:nvSpPr>
+        <p:spPr/>
+        <p:txBody>
+          <a:bodyPr/>
+          <a:lstStyle/>
+          <a:p>
+            <a:fld id="{4361536F-BA69-4825-9F27-447B4204B421}" type="slidenum">
+              <a:rPr lang="en-US" smtClean="0"/>
+              <a:t>2</a:t>
+            </a:fld>
+            <a:endParaRPr lang="en-US"/>
+          </a:p>
+        </p:txBody>
+      </p:sp>
     </p:spTree>
     <p:extLst>
       <p:ext uri="{BB962C8B-B14F-4D97-AF65-F5344CB8AC3E}">
@@ -3997,267 +4414,6 @@
 </file>
 
 <file path=ppt/slides/slide3.xml><?xml version="1.0" encoding="utf-8"?>
-<p:sld xmlns:a="http://schemas.openxmlformats.org/drawingml/2006/main" xmlns:r="http://schemas.openxmlformats.org/officeDocument/2006/relationships" xmlns:p="http://schemas.openxmlformats.org/presentationml/2006/main">
-  <p:cSld>
-    <p:spTree>
-      <p:nvGrpSpPr>
-        <p:cNvPr id="1" name=""/>
-        <p:cNvGrpSpPr/>
-        <p:nvPr/>
-      </p:nvGrpSpPr>
-      <p:grpSpPr>
-        <a:xfrm>
-          <a:off x="0" y="0"/>
-          <a:ext cx="0" cy="0"/>
-          <a:chOff x="0" y="0"/>
-          <a:chExt cx="0" cy="0"/>
-        </a:xfrm>
-      </p:grpSpPr>
-      <p:sp>
-        <p:nvSpPr>
-          <p:cNvPr id="2" name="Title 1">
-            <a:extLst>
-              <a:ext uri="{FF2B5EF4-FFF2-40B4-BE49-F238E27FC236}">
-                <a16:creationId xmlns:a16="http://schemas.microsoft.com/office/drawing/2014/main" id="{37237647-4BE1-4CA3-AF59-02D7DDB46BAE}"/>
-              </a:ext>
-            </a:extLst>
-          </p:cNvPr>
-          <p:cNvSpPr>
-            <a:spLocks noGrp="1"/>
-          </p:cNvSpPr>
-          <p:nvPr>
-            <p:ph type="title"/>
-          </p:nvPr>
-        </p:nvSpPr>
-        <p:spPr/>
-        <p:txBody>
-          <a:bodyPr/>
-          <a:lstStyle/>
-          <a:p>
-            <a:r>
-              <a:rPr lang="en-US" b="1" dirty="0"/>
-              <a:t>TABLE OF CONTENTS</a:t>
-            </a:r>
-          </a:p>
-        </p:txBody>
-      </p:sp>
-      <p:sp>
-        <p:nvSpPr>
-          <p:cNvPr id="3" name="Content Placeholder 2">
-            <a:extLst>
-              <a:ext uri="{FF2B5EF4-FFF2-40B4-BE49-F238E27FC236}">
-                <a16:creationId xmlns:a16="http://schemas.microsoft.com/office/drawing/2014/main" id="{07A8C52F-2D68-4429-8FAC-A43D074C5FB9}"/>
-              </a:ext>
-            </a:extLst>
-          </p:cNvPr>
-          <p:cNvSpPr>
-            <a:spLocks noGrp="1"/>
-          </p:cNvSpPr>
-          <p:nvPr>
-            <p:ph idx="1"/>
-          </p:nvPr>
-        </p:nvSpPr>
-        <p:spPr/>
-        <p:txBody>
-          <a:bodyPr/>
-          <a:lstStyle/>
-          <a:p>
-            <a:endParaRPr lang="en-US" dirty="0"/>
-          </a:p>
-        </p:txBody>
-      </p:sp>
-    </p:spTree>
-    <p:extLst>
-      <p:ext uri="{BB962C8B-B14F-4D97-AF65-F5344CB8AC3E}">
-        <p14:creationId xmlns:p14="http://schemas.microsoft.com/office/powerpoint/2010/main" val="1359510435"/>
-      </p:ext>
-    </p:extLst>
-  </p:cSld>
-  <p:clrMapOvr>
-    <a:masterClrMapping/>
-  </p:clrMapOvr>
-</p:sld>
-</file>
-
-<file path=ppt/slides/slide4.xml><?xml version="1.0" encoding="utf-8"?>
-<p:sld xmlns:a="http://schemas.openxmlformats.org/drawingml/2006/main" xmlns:r="http://schemas.openxmlformats.org/officeDocument/2006/relationships" xmlns:p="http://schemas.openxmlformats.org/presentationml/2006/main">
-  <p:cSld>
-    <p:spTree>
-      <p:nvGrpSpPr>
-        <p:cNvPr id="1" name=""/>
-        <p:cNvGrpSpPr/>
-        <p:nvPr/>
-      </p:nvGrpSpPr>
-      <p:grpSpPr>
-        <a:xfrm>
-          <a:off x="0" y="0"/>
-          <a:ext cx="0" cy="0"/>
-          <a:chOff x="0" y="0"/>
-          <a:chExt cx="0" cy="0"/>
-        </a:xfrm>
-      </p:grpSpPr>
-      <p:sp>
-        <p:nvSpPr>
-          <p:cNvPr id="2" name="Title 1">
-            <a:extLst>
-              <a:ext uri="{FF2B5EF4-FFF2-40B4-BE49-F238E27FC236}">
-                <a16:creationId xmlns:a16="http://schemas.microsoft.com/office/drawing/2014/main" id="{6E96A542-84B9-44B9-9C76-FB70AEB841D0}"/>
-              </a:ext>
-            </a:extLst>
-          </p:cNvPr>
-          <p:cNvSpPr>
-            <a:spLocks noGrp="1"/>
-          </p:cNvSpPr>
-          <p:nvPr>
-            <p:ph type="title"/>
-          </p:nvPr>
-        </p:nvSpPr>
-        <p:spPr/>
-        <p:txBody>
-          <a:bodyPr/>
-          <a:lstStyle/>
-          <a:p>
-            <a:r>
-              <a:rPr lang="en-US" b="1" dirty="0"/>
-              <a:t>STARTING THE GAME</a:t>
-            </a:r>
-          </a:p>
-        </p:txBody>
-      </p:sp>
-      <p:sp>
-        <p:nvSpPr>
-          <p:cNvPr id="3" name="Content Placeholder 2">
-            <a:extLst>
-              <a:ext uri="{FF2B5EF4-FFF2-40B4-BE49-F238E27FC236}">
-                <a16:creationId xmlns:a16="http://schemas.microsoft.com/office/drawing/2014/main" id="{86DA2E49-5150-4E64-B194-20D76A0EDFCB}"/>
-              </a:ext>
-            </a:extLst>
-          </p:cNvPr>
-          <p:cNvSpPr>
-            <a:spLocks noGrp="1"/>
-          </p:cNvSpPr>
-          <p:nvPr>
-            <p:ph idx="1"/>
-          </p:nvPr>
-        </p:nvSpPr>
-        <p:spPr/>
-        <p:txBody>
-          <a:bodyPr/>
-          <a:lstStyle/>
-          <a:p>
-            <a:pPr>
-              <a:buFont typeface="Wingdings" panose="05000000000000000000" pitchFamily="2" charset="2"/>
-              <a:buChar char="§"/>
-            </a:pPr>
-            <a:r>
-              <a:rPr lang="en-US" dirty="0"/>
-              <a:t> After downloading the game, it will be in a .zip file and needs to be extracted, this can be done by using WinRAR or 7Zip to name a few.</a:t>
-            </a:r>
-          </a:p>
-          <a:p>
-            <a:pPr>
-              <a:buFont typeface="Wingdings" panose="05000000000000000000" pitchFamily="2" charset="2"/>
-              <a:buChar char="§"/>
-            </a:pPr>
-            <a:r>
-              <a:rPr lang="en-US" dirty="0"/>
-              <a:t> Once extracted there will be a folder containing the game and its files.</a:t>
-            </a:r>
-          </a:p>
-          <a:p>
-            <a:pPr>
-              <a:buFont typeface="Wingdings" panose="05000000000000000000" pitchFamily="2" charset="2"/>
-              <a:buChar char="§"/>
-            </a:pPr>
-            <a:r>
-              <a:rPr lang="en-US" dirty="0"/>
-              <a:t>To start the game, run the “Game.exe” file seen inside the folder. See picture below:</a:t>
-            </a:r>
-          </a:p>
-          <a:p>
-            <a:pPr>
-              <a:buFont typeface="Wingdings" panose="05000000000000000000" pitchFamily="2" charset="2"/>
-              <a:buChar char="§"/>
-            </a:pPr>
-            <a:endParaRPr lang="en-US" dirty="0"/>
-          </a:p>
-          <a:p>
-            <a:pPr>
-              <a:buFont typeface="Wingdings" panose="05000000000000000000" pitchFamily="2" charset="2"/>
-              <a:buChar char="§"/>
-            </a:pPr>
-            <a:r>
-              <a:rPr lang="en-US" dirty="0"/>
-              <a:t> WARNING: Please do not tamper with the files</a:t>
-            </a:r>
-            <a:br>
-              <a:rPr lang="en-US" dirty="0"/>
-            </a:br>
-            <a:r>
-              <a:rPr lang="en-US" dirty="0"/>
-              <a:t>inside of this folder, this may alter the game and</a:t>
-            </a:r>
-            <a:br>
-              <a:rPr lang="en-US" dirty="0"/>
-            </a:br>
-            <a:r>
-              <a:rPr lang="en-US" dirty="0"/>
-              <a:t>change the nature of the game and may render</a:t>
-            </a:r>
-            <a:br>
-              <a:rPr lang="en-US" dirty="0"/>
-            </a:br>
-            <a:r>
-              <a:rPr lang="en-US" dirty="0"/>
-              <a:t>unplayable.</a:t>
-            </a:r>
-          </a:p>
-        </p:txBody>
-      </p:sp>
-      <p:pic>
-        <p:nvPicPr>
-          <p:cNvPr id="7" name="Picture 6">
-            <a:extLst>
-              <a:ext uri="{FF2B5EF4-FFF2-40B4-BE49-F238E27FC236}">
-                <a16:creationId xmlns:a16="http://schemas.microsoft.com/office/drawing/2014/main" id="{8C3D1B82-02C9-44BC-ACCE-B90649038265}"/>
-              </a:ext>
-            </a:extLst>
-          </p:cNvPr>
-          <p:cNvPicPr>
-            <a:picLocks noChangeAspect="1"/>
-          </p:cNvPicPr>
-          <p:nvPr/>
-        </p:nvPicPr>
-        <p:blipFill>
-          <a:blip r:embed="rId2"/>
-          <a:stretch>
-            <a:fillRect/>
-          </a:stretch>
-        </p:blipFill>
-        <p:spPr>
-          <a:xfrm>
-            <a:off x="6848365" y="3546455"/>
-            <a:ext cx="3298935" cy="2236914"/>
-          </a:xfrm>
-          <a:prstGeom prst="rect">
-            <a:avLst/>
-          </a:prstGeom>
-        </p:spPr>
-      </p:pic>
-    </p:spTree>
-    <p:extLst>
-      <p:ext uri="{BB962C8B-B14F-4D97-AF65-F5344CB8AC3E}">
-        <p14:creationId xmlns:p14="http://schemas.microsoft.com/office/powerpoint/2010/main" val="1801964287"/>
-      </p:ext>
-    </p:extLst>
-  </p:cSld>
-  <p:clrMapOvr>
-    <a:masterClrMapping/>
-  </p:clrMapOvr>
-</p:sld>
-</file>
-
-<file path=ppt/slides/slide5.xml><?xml version="1.0" encoding="utf-8"?>
 <p:sld xmlns:a="http://schemas.openxmlformats.org/drawingml/2006/main" xmlns:r="http://schemas.openxmlformats.org/officeDocument/2006/relationships" xmlns:p="http://schemas.openxmlformats.org/presentationml/2006/main">
   <p:cSld>
     <p:spTree>
@@ -4407,6 +4563,35 @@
           </a:prstGeom>
         </p:spPr>
       </p:pic>
+      <p:sp>
+        <p:nvSpPr>
+          <p:cNvPr id="4" name="Slide Number Placeholder 3">
+            <a:extLst>
+              <a:ext uri="{FF2B5EF4-FFF2-40B4-BE49-F238E27FC236}">
+                <a16:creationId xmlns:a16="http://schemas.microsoft.com/office/drawing/2014/main" id="{7C9AD980-6F4C-4107-BD32-6B44E9629870}"/>
+              </a:ext>
+            </a:extLst>
+          </p:cNvPr>
+          <p:cNvSpPr>
+            <a:spLocks noGrp="1"/>
+          </p:cNvSpPr>
+          <p:nvPr>
+            <p:ph type="sldNum" sz="quarter" idx="12"/>
+          </p:nvPr>
+        </p:nvSpPr>
+        <p:spPr/>
+        <p:txBody>
+          <a:bodyPr/>
+          <a:lstStyle/>
+          <a:p>
+            <a:fld id="{4361536F-BA69-4825-9F27-447B4204B421}" type="slidenum">
+              <a:rPr lang="en-US" smtClean="0"/>
+              <a:t>3</a:t>
+            </a:fld>
+            <a:endParaRPr lang="en-US"/>
+          </a:p>
+        </p:txBody>
+      </p:sp>
     </p:spTree>
     <p:extLst>
       <p:ext uri="{BB962C8B-B14F-4D97-AF65-F5344CB8AC3E}">
@@ -4420,7 +4605,7 @@
 </p:sld>
 </file>
 
-<file path=ppt/slides/slide6.xml><?xml version="1.0" encoding="utf-8"?>
+<file path=ppt/slides/slide4.xml><?xml version="1.0" encoding="utf-8"?>
 <p:sld xmlns:a="http://schemas.openxmlformats.org/drawingml/2006/main" xmlns:r="http://schemas.openxmlformats.org/officeDocument/2006/relationships" xmlns:p="http://schemas.openxmlformats.org/presentationml/2006/main">
   <p:cSld>
     <p:spTree>
@@ -4442,6 +4627,213 @@
           <p:cNvPr id="2" name="Title 1">
             <a:extLst>
               <a:ext uri="{FF2B5EF4-FFF2-40B4-BE49-F238E27FC236}">
+                <a16:creationId xmlns:a16="http://schemas.microsoft.com/office/drawing/2014/main" id="{6E96A542-84B9-44B9-9C76-FB70AEB841D0}"/>
+              </a:ext>
+            </a:extLst>
+          </p:cNvPr>
+          <p:cNvSpPr>
+            <a:spLocks noGrp="1"/>
+          </p:cNvSpPr>
+          <p:nvPr>
+            <p:ph type="title"/>
+          </p:nvPr>
+        </p:nvSpPr>
+        <p:spPr/>
+        <p:txBody>
+          <a:bodyPr/>
+          <a:lstStyle/>
+          <a:p>
+            <a:r>
+              <a:rPr lang="en-US" b="1" dirty="0"/>
+              <a:t>STARTING THE GAME</a:t>
+            </a:r>
+          </a:p>
+        </p:txBody>
+      </p:sp>
+      <p:sp>
+        <p:nvSpPr>
+          <p:cNvPr id="3" name="Content Placeholder 2">
+            <a:extLst>
+              <a:ext uri="{FF2B5EF4-FFF2-40B4-BE49-F238E27FC236}">
+                <a16:creationId xmlns:a16="http://schemas.microsoft.com/office/drawing/2014/main" id="{86DA2E49-5150-4E64-B194-20D76A0EDFCB}"/>
+              </a:ext>
+            </a:extLst>
+          </p:cNvPr>
+          <p:cNvSpPr>
+            <a:spLocks noGrp="1"/>
+          </p:cNvSpPr>
+          <p:nvPr>
+            <p:ph idx="1"/>
+          </p:nvPr>
+        </p:nvSpPr>
+        <p:spPr/>
+        <p:txBody>
+          <a:bodyPr/>
+          <a:lstStyle/>
+          <a:p>
+            <a:pPr>
+              <a:buFont typeface="Wingdings" panose="05000000000000000000" pitchFamily="2" charset="2"/>
+              <a:buChar char="§"/>
+            </a:pPr>
+            <a:r>
+              <a:rPr lang="en-US" dirty="0"/>
+              <a:t> After downloading the game, it will be in a .zip file and needs to be extracted, this can be done by using WinRAR or 7Zip to name a few.</a:t>
+            </a:r>
+          </a:p>
+          <a:p>
+            <a:pPr>
+              <a:buFont typeface="Wingdings" panose="05000000000000000000" pitchFamily="2" charset="2"/>
+              <a:buChar char="§"/>
+            </a:pPr>
+            <a:r>
+              <a:rPr lang="en-US" dirty="0"/>
+              <a:t> Once extracted there will be a folder containing the game and its files.</a:t>
+            </a:r>
+          </a:p>
+          <a:p>
+            <a:pPr>
+              <a:buFont typeface="Wingdings" panose="05000000000000000000" pitchFamily="2" charset="2"/>
+              <a:buChar char="§"/>
+            </a:pPr>
+            <a:r>
+              <a:rPr lang="en-US" dirty="0"/>
+              <a:t>To start the game, run the “Game.exe” file seen inside the folder. See picture below:</a:t>
+            </a:r>
+          </a:p>
+          <a:p>
+            <a:pPr>
+              <a:buFont typeface="Wingdings" panose="05000000000000000000" pitchFamily="2" charset="2"/>
+              <a:buChar char="§"/>
+            </a:pPr>
+            <a:endParaRPr lang="en-US" dirty="0"/>
+          </a:p>
+          <a:p>
+            <a:pPr>
+              <a:buFont typeface="Wingdings" panose="05000000000000000000" pitchFamily="2" charset="2"/>
+              <a:buChar char="§"/>
+            </a:pPr>
+            <a:r>
+              <a:rPr lang="en-US" dirty="0"/>
+              <a:t> WARNING: Please do not tamper with the files</a:t>
+            </a:r>
+            <a:br>
+              <a:rPr lang="en-US" dirty="0"/>
+            </a:br>
+            <a:r>
+              <a:rPr lang="en-US" dirty="0"/>
+              <a:t>inside of this folder, this may alter the game and</a:t>
+            </a:r>
+            <a:br>
+              <a:rPr lang="en-US" dirty="0"/>
+            </a:br>
+            <a:r>
+              <a:rPr lang="en-US" dirty="0"/>
+              <a:t>change the nature of the game and may render</a:t>
+            </a:r>
+            <a:br>
+              <a:rPr lang="en-US" dirty="0"/>
+            </a:br>
+            <a:r>
+              <a:rPr lang="en-US" dirty="0"/>
+              <a:t>unplayable.</a:t>
+            </a:r>
+          </a:p>
+        </p:txBody>
+      </p:sp>
+      <p:pic>
+        <p:nvPicPr>
+          <p:cNvPr id="7" name="Picture 6">
+            <a:extLst>
+              <a:ext uri="{FF2B5EF4-FFF2-40B4-BE49-F238E27FC236}">
+                <a16:creationId xmlns:a16="http://schemas.microsoft.com/office/drawing/2014/main" id="{8C3D1B82-02C9-44BC-ACCE-B90649038265}"/>
+              </a:ext>
+            </a:extLst>
+          </p:cNvPr>
+          <p:cNvPicPr>
+            <a:picLocks noChangeAspect="1"/>
+          </p:cNvPicPr>
+          <p:nvPr/>
+        </p:nvPicPr>
+        <p:blipFill>
+          <a:blip r:embed="rId2"/>
+          <a:stretch>
+            <a:fillRect/>
+          </a:stretch>
+        </p:blipFill>
+        <p:spPr>
+          <a:xfrm>
+            <a:off x="6848365" y="3546455"/>
+            <a:ext cx="3298935" cy="2236914"/>
+          </a:xfrm>
+          <a:prstGeom prst="rect">
+            <a:avLst/>
+          </a:prstGeom>
+        </p:spPr>
+      </p:pic>
+      <p:sp>
+        <p:nvSpPr>
+          <p:cNvPr id="4" name="Slide Number Placeholder 3">
+            <a:extLst>
+              <a:ext uri="{FF2B5EF4-FFF2-40B4-BE49-F238E27FC236}">
+                <a16:creationId xmlns:a16="http://schemas.microsoft.com/office/drawing/2014/main" id="{E1D94C49-7B11-4000-95F4-D20090A671D3}"/>
+              </a:ext>
+            </a:extLst>
+          </p:cNvPr>
+          <p:cNvSpPr>
+            <a:spLocks noGrp="1"/>
+          </p:cNvSpPr>
+          <p:nvPr>
+            <p:ph type="sldNum" sz="quarter" idx="12"/>
+          </p:nvPr>
+        </p:nvSpPr>
+        <p:spPr/>
+        <p:txBody>
+          <a:bodyPr/>
+          <a:lstStyle/>
+          <a:p>
+            <a:fld id="{4361536F-BA69-4825-9F27-447B4204B421}" type="slidenum">
+              <a:rPr lang="en-US" smtClean="0"/>
+              <a:t>4</a:t>
+            </a:fld>
+            <a:endParaRPr lang="en-US"/>
+          </a:p>
+        </p:txBody>
+      </p:sp>
+    </p:spTree>
+    <p:extLst>
+      <p:ext uri="{BB962C8B-B14F-4D97-AF65-F5344CB8AC3E}">
+        <p14:creationId xmlns:p14="http://schemas.microsoft.com/office/powerpoint/2010/main" val="1801964287"/>
+      </p:ext>
+    </p:extLst>
+  </p:cSld>
+  <p:clrMapOvr>
+    <a:masterClrMapping/>
+  </p:clrMapOvr>
+</p:sld>
+</file>
+
+<file path=ppt/slides/slide5.xml><?xml version="1.0" encoding="utf-8"?>
+<p:sld xmlns:a="http://schemas.openxmlformats.org/drawingml/2006/main" xmlns:r="http://schemas.openxmlformats.org/officeDocument/2006/relationships" xmlns:p="http://schemas.openxmlformats.org/presentationml/2006/main">
+  <p:cSld>
+    <p:spTree>
+      <p:nvGrpSpPr>
+        <p:cNvPr id="1" name=""/>
+        <p:cNvGrpSpPr/>
+        <p:nvPr/>
+      </p:nvGrpSpPr>
+      <p:grpSpPr>
+        <a:xfrm>
+          <a:off x="0" y="0"/>
+          <a:ext cx="0" cy="0"/>
+          <a:chOff x="0" y="0"/>
+          <a:chExt cx="0" cy="0"/>
+        </a:xfrm>
+      </p:grpSpPr>
+      <p:sp>
+        <p:nvSpPr>
+          <p:cNvPr id="2" name="Title 1">
+            <a:extLst>
+              <a:ext uri="{FF2B5EF4-FFF2-40B4-BE49-F238E27FC236}">
                 <a16:creationId xmlns:a16="http://schemas.microsoft.com/office/drawing/2014/main" id="{D833E27C-9E8E-4C3B-BBAF-07E290A363B4}"/>
               </a:ext>
             </a:extLst>
@@ -4522,7 +4914,7 @@
             </a:pPr>
             <a:r>
               <a:rPr lang="en-US" dirty="0"/>
-              <a:t>Space Bar – Choose highlighted Option</a:t>
+              <a:t>Space Bar or Z – Choose highlighted Option</a:t>
             </a:r>
           </a:p>
           <a:p>
@@ -4617,6 +5009,35 @@
           </a:prstGeom>
         </p:spPr>
       </p:pic>
+      <p:sp>
+        <p:nvSpPr>
+          <p:cNvPr id="4" name="Slide Number Placeholder 3">
+            <a:extLst>
+              <a:ext uri="{FF2B5EF4-FFF2-40B4-BE49-F238E27FC236}">
+                <a16:creationId xmlns:a16="http://schemas.microsoft.com/office/drawing/2014/main" id="{64A62BEA-4C45-46AA-AB58-F678FF8AC980}"/>
+              </a:ext>
+            </a:extLst>
+          </p:cNvPr>
+          <p:cNvSpPr>
+            <a:spLocks noGrp="1"/>
+          </p:cNvSpPr>
+          <p:nvPr>
+            <p:ph type="sldNum" sz="quarter" idx="12"/>
+          </p:nvPr>
+        </p:nvSpPr>
+        <p:spPr/>
+        <p:txBody>
+          <a:bodyPr/>
+          <a:lstStyle/>
+          <a:p>
+            <a:fld id="{4361536F-BA69-4825-9F27-447B4204B421}" type="slidenum">
+              <a:rPr lang="en-US" smtClean="0"/>
+              <a:t>5</a:t>
+            </a:fld>
+            <a:endParaRPr lang="en-US"/>
+          </a:p>
+        </p:txBody>
+      </p:sp>
     </p:spTree>
     <p:extLst>
       <p:ext uri="{BB962C8B-B14F-4D97-AF65-F5344CB8AC3E}">
@@ -4630,7 +5051,7 @@
 </p:sld>
 </file>
 
-<file path=ppt/slides/slide7.xml><?xml version="1.0" encoding="utf-8"?>
+<file path=ppt/slides/slide6.xml><?xml version="1.0" encoding="utf-8"?>
 <p:sld xmlns:a="http://schemas.openxmlformats.org/drawingml/2006/main" xmlns:r="http://schemas.openxmlformats.org/officeDocument/2006/relationships" xmlns:p="http://schemas.openxmlformats.org/presentationml/2006/main">
   <p:cSld>
     <p:spTree>
@@ -4891,10 +5312,257 @@
           </a:prstGeom>
         </p:spPr>
       </p:pic>
+      <p:sp>
+        <p:nvSpPr>
+          <p:cNvPr id="4" name="Slide Number Placeholder 3">
+            <a:extLst>
+              <a:ext uri="{FF2B5EF4-FFF2-40B4-BE49-F238E27FC236}">
+                <a16:creationId xmlns:a16="http://schemas.microsoft.com/office/drawing/2014/main" id="{CC2A53DF-E20D-4B7F-B365-40D3861D37C5}"/>
+              </a:ext>
+            </a:extLst>
+          </p:cNvPr>
+          <p:cNvSpPr>
+            <a:spLocks noGrp="1"/>
+          </p:cNvSpPr>
+          <p:nvPr>
+            <p:ph type="sldNum" sz="quarter" idx="12"/>
+          </p:nvPr>
+        </p:nvSpPr>
+        <p:spPr/>
+        <p:txBody>
+          <a:bodyPr/>
+          <a:lstStyle/>
+          <a:p>
+            <a:fld id="{4361536F-BA69-4825-9F27-447B4204B421}" type="slidenum">
+              <a:rPr lang="en-US" smtClean="0"/>
+              <a:t>6</a:t>
+            </a:fld>
+            <a:endParaRPr lang="en-US"/>
+          </a:p>
+        </p:txBody>
+      </p:sp>
     </p:spTree>
     <p:extLst>
       <p:ext uri="{BB962C8B-B14F-4D97-AF65-F5344CB8AC3E}">
         <p14:creationId xmlns:p14="http://schemas.microsoft.com/office/powerpoint/2010/main" val="2439040381"/>
+      </p:ext>
+    </p:extLst>
+  </p:cSld>
+  <p:clrMapOvr>
+    <a:masterClrMapping/>
+  </p:clrMapOvr>
+</p:sld>
+</file>
+
+<file path=ppt/slides/slide7.xml><?xml version="1.0" encoding="utf-8"?>
+<p:sld xmlns:a="http://schemas.openxmlformats.org/drawingml/2006/main" xmlns:r="http://schemas.openxmlformats.org/officeDocument/2006/relationships" xmlns:p="http://schemas.openxmlformats.org/presentationml/2006/main">
+  <p:cSld>
+    <p:spTree>
+      <p:nvGrpSpPr>
+        <p:cNvPr id="1" name=""/>
+        <p:cNvGrpSpPr/>
+        <p:nvPr/>
+      </p:nvGrpSpPr>
+      <p:grpSpPr>
+        <a:xfrm>
+          <a:off x="0" y="0"/>
+          <a:ext cx="0" cy="0"/>
+          <a:chOff x="0" y="0"/>
+          <a:chExt cx="0" cy="0"/>
+        </a:xfrm>
+      </p:grpSpPr>
+      <p:sp>
+        <p:nvSpPr>
+          <p:cNvPr id="2" name="Title 1">
+            <a:extLst>
+              <a:ext uri="{FF2B5EF4-FFF2-40B4-BE49-F238E27FC236}">
+                <a16:creationId xmlns:a16="http://schemas.microsoft.com/office/drawing/2014/main" id="{F4DCDF61-A1E9-44BC-AA6B-02333C9FD0F3}"/>
+              </a:ext>
+            </a:extLst>
+          </p:cNvPr>
+          <p:cNvSpPr>
+            <a:spLocks noGrp="1"/>
+          </p:cNvSpPr>
+          <p:nvPr>
+            <p:ph type="title"/>
+          </p:nvPr>
+        </p:nvSpPr>
+        <p:spPr/>
+        <p:txBody>
+          <a:bodyPr/>
+          <a:lstStyle/>
+          <a:p>
+            <a:r>
+              <a:rPr lang="en-US" b="1" dirty="0"/>
+              <a:t>STARTING A NEW GAME</a:t>
+            </a:r>
+          </a:p>
+        </p:txBody>
+      </p:sp>
+      <p:sp>
+        <p:nvSpPr>
+          <p:cNvPr id="3" name="Content Placeholder 2">
+            <a:extLst>
+              <a:ext uri="{FF2B5EF4-FFF2-40B4-BE49-F238E27FC236}">
+                <a16:creationId xmlns:a16="http://schemas.microsoft.com/office/drawing/2014/main" id="{CE2B637D-DBDB-46D3-B162-231E0AAF8BC6}"/>
+              </a:ext>
+            </a:extLst>
+          </p:cNvPr>
+          <p:cNvSpPr>
+            <a:spLocks noGrp="1"/>
+          </p:cNvSpPr>
+          <p:nvPr>
+            <p:ph idx="1"/>
+          </p:nvPr>
+        </p:nvSpPr>
+        <p:spPr/>
+        <p:txBody>
+          <a:bodyPr/>
+          <a:lstStyle/>
+          <a:p>
+            <a:pPr>
+              <a:buFont typeface="Wingdings" panose="05000000000000000000" pitchFamily="2" charset="2"/>
+              <a:buChar char="§"/>
+            </a:pPr>
+            <a:r>
+              <a:rPr lang="en-US" dirty="0"/>
+              <a:t> Once you start a game, the game will ask for your name:</a:t>
+            </a:r>
+            <a:br>
+              <a:rPr lang="en-US" dirty="0"/>
+            </a:br>
+            <a:r>
+              <a:rPr lang="en-US" dirty="0"/>
+              <a:t>use the Arrow Keys to select the letters you want to enter,</a:t>
+            </a:r>
+            <a:br>
+              <a:rPr lang="en-US" dirty="0"/>
+            </a:br>
+            <a:r>
+              <a:rPr lang="en-US" dirty="0"/>
+              <a:t>Escape if you want to delete, Spacebar or Z to select </a:t>
+            </a:r>
+            <a:br>
+              <a:rPr lang="en-US" dirty="0"/>
+            </a:br>
+            <a:r>
+              <a:rPr lang="en-US" dirty="0"/>
+              <a:t>highlighted character and Left Shift to quickly highlight the</a:t>
+            </a:r>
+            <a:br>
+              <a:rPr lang="en-US" dirty="0"/>
+            </a:br>
+            <a:r>
+              <a:rPr lang="en-US" dirty="0"/>
+              <a:t>finish button.</a:t>
+            </a:r>
+          </a:p>
+          <a:p>
+            <a:pPr>
+              <a:buFont typeface="Wingdings" panose="05000000000000000000" pitchFamily="2" charset="2"/>
+              <a:buChar char="§"/>
+            </a:pPr>
+            <a:endParaRPr lang="en-US" dirty="0"/>
+          </a:p>
+          <a:p>
+            <a:pPr>
+              <a:buFont typeface="Wingdings" panose="05000000000000000000" pitchFamily="2" charset="2"/>
+              <a:buChar char="§"/>
+            </a:pPr>
+            <a:r>
+              <a:rPr lang="en-US" dirty="0"/>
+              <a:t>Note: if you can’t find the character or letter you desire,</a:t>
+            </a:r>
+            <a:br>
+              <a:rPr lang="en-US" dirty="0"/>
+            </a:br>
+            <a:r>
+              <a:rPr lang="en-US" dirty="0"/>
+              <a:t>you may use Q or W to show more.</a:t>
+            </a:r>
+          </a:p>
+          <a:p>
+            <a:pPr>
+              <a:buFont typeface="Wingdings" panose="05000000000000000000" pitchFamily="2" charset="2"/>
+              <a:buChar char="§"/>
+            </a:pPr>
+            <a:endParaRPr lang="en-US" dirty="0"/>
+          </a:p>
+          <a:p>
+            <a:pPr>
+              <a:buFont typeface="Wingdings" panose="05000000000000000000" pitchFamily="2" charset="2"/>
+              <a:buChar char="§"/>
+            </a:pPr>
+            <a:r>
+              <a:rPr lang="en-US" dirty="0"/>
+              <a:t>Once this is done the game will proceed normally.</a:t>
+            </a:r>
+          </a:p>
+        </p:txBody>
+      </p:sp>
+      <p:pic>
+        <p:nvPicPr>
+          <p:cNvPr id="5" name="Picture 4">
+            <a:extLst>
+              <a:ext uri="{FF2B5EF4-FFF2-40B4-BE49-F238E27FC236}">
+                <a16:creationId xmlns:a16="http://schemas.microsoft.com/office/drawing/2014/main" id="{4C6EF042-F357-41F4-AC89-BBBB85268564}"/>
+              </a:ext>
+            </a:extLst>
+          </p:cNvPr>
+          <p:cNvPicPr>
+            <a:picLocks noChangeAspect="1"/>
+          </p:cNvPicPr>
+          <p:nvPr/>
+        </p:nvPicPr>
+        <p:blipFill>
+          <a:blip r:embed="rId2"/>
+          <a:stretch>
+            <a:fillRect/>
+          </a:stretch>
+        </p:blipFill>
+        <p:spPr>
+          <a:xfrm>
+            <a:off x="7376835" y="2422797"/>
+            <a:ext cx="4209423" cy="3237223"/>
+          </a:xfrm>
+          <a:prstGeom prst="rect">
+            <a:avLst/>
+          </a:prstGeom>
+        </p:spPr>
+      </p:pic>
+      <p:sp>
+        <p:nvSpPr>
+          <p:cNvPr id="6" name="Slide Number Placeholder 5">
+            <a:extLst>
+              <a:ext uri="{FF2B5EF4-FFF2-40B4-BE49-F238E27FC236}">
+                <a16:creationId xmlns:a16="http://schemas.microsoft.com/office/drawing/2014/main" id="{91C52CC1-A271-4ADD-8CEF-E225E2166E47}"/>
+              </a:ext>
+            </a:extLst>
+          </p:cNvPr>
+          <p:cNvSpPr>
+            <a:spLocks noGrp="1"/>
+          </p:cNvSpPr>
+          <p:nvPr>
+            <p:ph type="sldNum" sz="quarter" idx="12"/>
+          </p:nvPr>
+        </p:nvSpPr>
+        <p:spPr/>
+        <p:txBody>
+          <a:bodyPr/>
+          <a:lstStyle/>
+          <a:p>
+            <a:fld id="{4361536F-BA69-4825-9F27-447B4204B421}" type="slidenum">
+              <a:rPr lang="en-US" smtClean="0"/>
+              <a:t>7</a:t>
+            </a:fld>
+            <a:endParaRPr lang="en-US"/>
+          </a:p>
+        </p:txBody>
+      </p:sp>
+    </p:spTree>
+    <p:extLst>
+      <p:ext uri="{BB962C8B-B14F-4D97-AF65-F5344CB8AC3E}">
+        <p14:creationId xmlns:p14="http://schemas.microsoft.com/office/powerpoint/2010/main" val="3787413398"/>
       </p:ext>
     </p:extLst>
   </p:cSld>
@@ -4926,7 +5594,7 @@
           <p:cNvPr id="2" name="Title 1">
             <a:extLst>
               <a:ext uri="{FF2B5EF4-FFF2-40B4-BE49-F238E27FC236}">
-                <a16:creationId xmlns:a16="http://schemas.microsoft.com/office/drawing/2014/main" id="{F4DCDF61-A1E9-44BC-AA6B-02333C9FD0F3}"/>
+                <a16:creationId xmlns:a16="http://schemas.microsoft.com/office/drawing/2014/main" id="{5C620FD5-25E1-4AF5-BA58-02AA05EC4B42}"/>
               </a:ext>
             </a:extLst>
           </p:cNvPr>
@@ -4944,7 +5612,7 @@
           <a:p>
             <a:r>
               <a:rPr lang="en-US" b="1" dirty="0"/>
-              <a:t>STARTING A NEW GAME</a:t>
+              <a:t>GAME CONTROLS</a:t>
             </a:r>
           </a:p>
         </p:txBody>
@@ -4954,7 +5622,7 @@
           <p:cNvPr id="3" name="Content Placeholder 2">
             <a:extLst>
               <a:ext uri="{FF2B5EF4-FFF2-40B4-BE49-F238E27FC236}">
-                <a16:creationId xmlns:a16="http://schemas.microsoft.com/office/drawing/2014/main" id="{CE2B637D-DBDB-46D3-B162-231E0AAF8BC6}"/>
+                <a16:creationId xmlns:a16="http://schemas.microsoft.com/office/drawing/2014/main" id="{3DF6D8D1-8014-4ECE-B9F0-5F98F57D3AC9}"/>
               </a:ext>
             </a:extLst>
           </p:cNvPr>
@@ -4970,14 +5638,513 @@
           <a:bodyPr/>
           <a:lstStyle/>
           <a:p>
+            <a:pPr>
+              <a:buFont typeface="Wingdings" panose="05000000000000000000" pitchFamily="2" charset="2"/>
+              <a:buChar char="§"/>
+            </a:pPr>
+            <a:r>
+              <a:rPr lang="en-US" dirty="0"/>
+              <a:t> Basic controls is as follows:</a:t>
+            </a:r>
+          </a:p>
+          <a:p>
+            <a:pPr lvl="1">
+              <a:buFont typeface="Wingdings" panose="05000000000000000000" pitchFamily="2" charset="2"/>
+              <a:buChar char="§"/>
+            </a:pPr>
+            <a:r>
+              <a:rPr lang="en-US" dirty="0"/>
+              <a:t>Arrow Keys – Directional movement</a:t>
+            </a:r>
+          </a:p>
+          <a:p>
+            <a:pPr lvl="1">
+              <a:buFont typeface="Wingdings" panose="05000000000000000000" pitchFamily="2" charset="2"/>
+              <a:buChar char="§"/>
+            </a:pPr>
             <a:endParaRPr lang="en-US" dirty="0"/>
+          </a:p>
+          <a:p>
+            <a:pPr lvl="1">
+              <a:buFont typeface="Wingdings" panose="05000000000000000000" pitchFamily="2" charset="2"/>
+              <a:buChar char="§"/>
+            </a:pPr>
+            <a:endParaRPr lang="en-US" dirty="0"/>
+          </a:p>
+          <a:p>
+            <a:pPr lvl="1">
+              <a:buFont typeface="Wingdings" panose="05000000000000000000" pitchFamily="2" charset="2"/>
+              <a:buChar char="§"/>
+            </a:pPr>
+            <a:r>
+              <a:rPr lang="en-US" dirty="0"/>
+              <a:t>Spacebar or Z key – Action button</a:t>
+            </a:r>
+          </a:p>
+          <a:p>
+            <a:pPr lvl="1">
+              <a:buFont typeface="Wingdings" panose="05000000000000000000" pitchFamily="2" charset="2"/>
+              <a:buChar char="§"/>
+            </a:pPr>
+            <a:endParaRPr lang="en-US" dirty="0"/>
+          </a:p>
+          <a:p>
+            <a:pPr lvl="1">
+              <a:buFont typeface="Wingdings" panose="05000000000000000000" pitchFamily="2" charset="2"/>
+              <a:buChar char="§"/>
+            </a:pPr>
+            <a:endParaRPr lang="en-US" dirty="0"/>
+          </a:p>
+          <a:p>
+            <a:pPr lvl="1">
+              <a:buFont typeface="Wingdings" panose="05000000000000000000" pitchFamily="2" charset="2"/>
+              <a:buChar char="§"/>
+            </a:pPr>
+            <a:r>
+              <a:rPr lang="en-US" dirty="0"/>
+              <a:t>Shift Key – Toggles sprint or walk</a:t>
+            </a:r>
+          </a:p>
+          <a:p>
+            <a:pPr lvl="1">
+              <a:buFont typeface="Wingdings" panose="05000000000000000000" pitchFamily="2" charset="2"/>
+              <a:buChar char="§"/>
+            </a:pPr>
+            <a:endParaRPr lang="en-US" dirty="0"/>
+          </a:p>
+          <a:p>
+            <a:pPr lvl="1">
+              <a:buFont typeface="Wingdings" panose="05000000000000000000" pitchFamily="2" charset="2"/>
+              <a:buChar char="§"/>
+            </a:pPr>
+            <a:endParaRPr lang="en-US" dirty="0"/>
+          </a:p>
+          <a:p>
+            <a:pPr lvl="1">
+              <a:buFont typeface="Wingdings" panose="05000000000000000000" pitchFamily="2" charset="2"/>
+              <a:buChar char="§"/>
+            </a:pPr>
+            <a:r>
+              <a:rPr lang="en-US" dirty="0"/>
+              <a:t>Esc Key – Toggles pause menu and resume  </a:t>
+            </a:r>
+          </a:p>
+        </p:txBody>
+      </p:sp>
+      <p:pic>
+        <p:nvPicPr>
+          <p:cNvPr id="1028" name="Picture 4">
+            <a:extLst>
+              <a:ext uri="{FF2B5EF4-FFF2-40B4-BE49-F238E27FC236}">
+                <a16:creationId xmlns:a16="http://schemas.microsoft.com/office/drawing/2014/main" id="{DE85F7EF-88A9-45B2-BDFA-51F342D44461}"/>
+              </a:ext>
+            </a:extLst>
+          </p:cNvPr>
+          <p:cNvPicPr>
+            <a:picLocks noChangeAspect="1" noChangeArrowheads="1"/>
+          </p:cNvPicPr>
+          <p:nvPr/>
+        </p:nvPicPr>
+        <p:blipFill>
+          <a:blip r:embed="rId2">
+            <a:extLst>
+              <a:ext uri="{28A0092B-C50C-407E-A947-70E740481C1C}">
+                <a14:useLocalDpi xmlns:a14="http://schemas.microsoft.com/office/drawing/2010/main" val="0"/>
+              </a:ext>
+            </a:extLst>
+          </a:blip>
+          <a:srcRect/>
+          <a:stretch>
+            <a:fillRect/>
+          </a:stretch>
+        </p:blipFill>
+        <p:spPr bwMode="auto">
+          <a:xfrm>
+            <a:off x="5130237" y="2011525"/>
+            <a:ext cx="1214752" cy="870572"/>
+          </a:xfrm>
+          <a:prstGeom prst="rect">
+            <a:avLst/>
+          </a:prstGeom>
+          <a:noFill/>
+          <a:extLst>
+            <a:ext uri="{909E8E84-426E-40DD-AFC4-6F175D3DCCD1}">
+              <a14:hiddenFill xmlns:a14="http://schemas.microsoft.com/office/drawing/2010/main">
+                <a:solidFill>
+                  <a:srgbClr val="FFFFFF"/>
+                </a:solidFill>
+              </a14:hiddenFill>
+            </a:ext>
+          </a:extLst>
+        </p:spPr>
+      </p:pic>
+      <p:pic>
+        <p:nvPicPr>
+          <p:cNvPr id="1030" name="Picture 6">
+            <a:extLst>
+              <a:ext uri="{FF2B5EF4-FFF2-40B4-BE49-F238E27FC236}">
+                <a16:creationId xmlns:a16="http://schemas.microsoft.com/office/drawing/2014/main" id="{6FE6DA11-95E4-4E67-B04D-49EBF3095555}"/>
+              </a:ext>
+            </a:extLst>
+          </p:cNvPr>
+          <p:cNvPicPr>
+            <a:picLocks noChangeAspect="1" noChangeArrowheads="1"/>
+          </p:cNvPicPr>
+          <p:nvPr/>
+        </p:nvPicPr>
+        <p:blipFill>
+          <a:blip r:embed="rId3">
+            <a:extLst>
+              <a:ext uri="{28A0092B-C50C-407E-A947-70E740481C1C}">
+                <a14:useLocalDpi xmlns:a14="http://schemas.microsoft.com/office/drawing/2010/main" val="0"/>
+              </a:ext>
+            </a:extLst>
+          </a:blip>
+          <a:srcRect/>
+          <a:stretch>
+            <a:fillRect/>
+          </a:stretch>
+        </p:blipFill>
+        <p:spPr bwMode="auto">
+          <a:xfrm>
+            <a:off x="4878139" y="3047888"/>
+            <a:ext cx="1568450" cy="599810"/>
+          </a:xfrm>
+          <a:prstGeom prst="rect">
+            <a:avLst/>
+          </a:prstGeom>
+          <a:noFill/>
+          <a:extLst>
+            <a:ext uri="{909E8E84-426E-40DD-AFC4-6F175D3DCCD1}">
+              <a14:hiddenFill xmlns:a14="http://schemas.microsoft.com/office/drawing/2010/main">
+                <a:solidFill>
+                  <a:srgbClr val="FFFFFF"/>
+                </a:solidFill>
+              </a14:hiddenFill>
+            </a:ext>
+          </a:extLst>
+        </p:spPr>
+      </p:pic>
+      <p:pic>
+        <p:nvPicPr>
+          <p:cNvPr id="1032" name="Picture 8">
+            <a:extLst>
+              <a:ext uri="{FF2B5EF4-FFF2-40B4-BE49-F238E27FC236}">
+                <a16:creationId xmlns:a16="http://schemas.microsoft.com/office/drawing/2014/main" id="{4FE4F411-8DC8-48BC-81CF-5D28B7F8CFFC}"/>
+              </a:ext>
+            </a:extLst>
+          </p:cNvPr>
+          <p:cNvPicPr>
+            <a:picLocks noChangeAspect="1" noChangeArrowheads="1"/>
+          </p:cNvPicPr>
+          <p:nvPr/>
+        </p:nvPicPr>
+        <p:blipFill>
+          <a:blip r:embed="rId4">
+            <a:extLst>
+              <a:ext uri="{28A0092B-C50C-407E-A947-70E740481C1C}">
+                <a14:useLocalDpi xmlns:a14="http://schemas.microsoft.com/office/drawing/2010/main" val="0"/>
+              </a:ext>
+            </a:extLst>
+          </a:blip>
+          <a:srcRect/>
+          <a:stretch>
+            <a:fillRect/>
+          </a:stretch>
+        </p:blipFill>
+        <p:spPr bwMode="auto">
+          <a:xfrm>
+            <a:off x="6653213" y="3047888"/>
+            <a:ext cx="646579" cy="599810"/>
+          </a:xfrm>
+          <a:prstGeom prst="rect">
+            <a:avLst/>
+          </a:prstGeom>
+          <a:noFill/>
+          <a:extLst>
+            <a:ext uri="{909E8E84-426E-40DD-AFC4-6F175D3DCCD1}">
+              <a14:hiddenFill xmlns:a14="http://schemas.microsoft.com/office/drawing/2010/main">
+                <a:solidFill>
+                  <a:srgbClr val="FFFFFF"/>
+                </a:solidFill>
+              </a14:hiddenFill>
+            </a:ext>
+          </a:extLst>
+        </p:spPr>
+      </p:pic>
+      <p:pic>
+        <p:nvPicPr>
+          <p:cNvPr id="1034" name="Picture 10">
+            <a:extLst>
+              <a:ext uri="{FF2B5EF4-FFF2-40B4-BE49-F238E27FC236}">
+                <a16:creationId xmlns:a16="http://schemas.microsoft.com/office/drawing/2014/main" id="{646F3EE7-C960-475A-8876-31D0DB2E478B}"/>
+              </a:ext>
+            </a:extLst>
+          </p:cNvPr>
+          <p:cNvPicPr>
+            <a:picLocks noChangeAspect="1" noChangeArrowheads="1"/>
+          </p:cNvPicPr>
+          <p:nvPr/>
+        </p:nvPicPr>
+        <p:blipFill>
+          <a:blip r:embed="rId5">
+            <a:extLst>
+              <a:ext uri="{28A0092B-C50C-407E-A947-70E740481C1C}">
+                <a14:useLocalDpi xmlns:a14="http://schemas.microsoft.com/office/drawing/2010/main" val="0"/>
+              </a:ext>
+            </a:extLst>
+          </a:blip>
+          <a:srcRect/>
+          <a:stretch>
+            <a:fillRect/>
+          </a:stretch>
+        </p:blipFill>
+        <p:spPr bwMode="auto">
+          <a:xfrm>
+            <a:off x="4878139" y="3895514"/>
+            <a:ext cx="1568450" cy="632301"/>
+          </a:xfrm>
+          <a:prstGeom prst="rect">
+            <a:avLst/>
+          </a:prstGeom>
+          <a:noFill/>
+          <a:extLst>
+            <a:ext uri="{909E8E84-426E-40DD-AFC4-6F175D3DCCD1}">
+              <a14:hiddenFill xmlns:a14="http://schemas.microsoft.com/office/drawing/2010/main">
+                <a:solidFill>
+                  <a:srgbClr val="FFFFFF"/>
+                </a:solidFill>
+              </a14:hiddenFill>
+            </a:ext>
+          </a:extLst>
+        </p:spPr>
+      </p:pic>
+      <p:pic>
+        <p:nvPicPr>
+          <p:cNvPr id="1036" name="Picture 12">
+            <a:extLst>
+              <a:ext uri="{FF2B5EF4-FFF2-40B4-BE49-F238E27FC236}">
+                <a16:creationId xmlns:a16="http://schemas.microsoft.com/office/drawing/2014/main" id="{7E5F99FE-82E4-46CC-B2D5-127296264631}"/>
+              </a:ext>
+            </a:extLst>
+          </p:cNvPr>
+          <p:cNvPicPr>
+            <a:picLocks noChangeAspect="1" noChangeArrowheads="1"/>
+          </p:cNvPicPr>
+          <p:nvPr/>
+        </p:nvPicPr>
+        <p:blipFill>
+          <a:blip r:embed="rId6">
+            <a:extLst>
+              <a:ext uri="{28A0092B-C50C-407E-A947-70E740481C1C}">
+                <a14:useLocalDpi xmlns:a14="http://schemas.microsoft.com/office/drawing/2010/main" val="0"/>
+              </a:ext>
+            </a:extLst>
+          </a:blip>
+          <a:srcRect/>
+          <a:stretch>
+            <a:fillRect/>
+          </a:stretch>
+        </p:blipFill>
+        <p:spPr bwMode="auto">
+          <a:xfrm>
+            <a:off x="5662364" y="4911756"/>
+            <a:ext cx="629532" cy="599424"/>
+          </a:xfrm>
+          <a:prstGeom prst="rect">
+            <a:avLst/>
+          </a:prstGeom>
+          <a:noFill/>
+          <a:extLst>
+            <a:ext uri="{909E8E84-426E-40DD-AFC4-6F175D3DCCD1}">
+              <a14:hiddenFill xmlns:a14="http://schemas.microsoft.com/office/drawing/2010/main">
+                <a:solidFill>
+                  <a:srgbClr val="FFFFFF"/>
+                </a:solidFill>
+              </a14:hiddenFill>
+            </a:ext>
+          </a:extLst>
+        </p:spPr>
+      </p:pic>
+      <p:sp>
+        <p:nvSpPr>
+          <p:cNvPr id="4" name="Slide Number Placeholder 3">
+            <a:extLst>
+              <a:ext uri="{FF2B5EF4-FFF2-40B4-BE49-F238E27FC236}">
+                <a16:creationId xmlns:a16="http://schemas.microsoft.com/office/drawing/2014/main" id="{911BB0EC-3D67-4993-A3B1-0C2DD940DA7F}"/>
+              </a:ext>
+            </a:extLst>
+          </p:cNvPr>
+          <p:cNvSpPr>
+            <a:spLocks noGrp="1"/>
+          </p:cNvSpPr>
+          <p:nvPr>
+            <p:ph type="sldNum" sz="quarter" idx="12"/>
+          </p:nvPr>
+        </p:nvSpPr>
+        <p:spPr/>
+        <p:txBody>
+          <a:bodyPr/>
+          <a:lstStyle/>
+          <a:p>
+            <a:fld id="{4361536F-BA69-4825-9F27-447B4204B421}" type="slidenum">
+              <a:rPr lang="en-US" smtClean="0"/>
+              <a:t>8</a:t>
+            </a:fld>
+            <a:endParaRPr lang="en-US"/>
           </a:p>
         </p:txBody>
       </p:sp>
     </p:spTree>
     <p:extLst>
       <p:ext uri="{BB962C8B-B14F-4D97-AF65-F5344CB8AC3E}">
-        <p14:creationId xmlns:p14="http://schemas.microsoft.com/office/powerpoint/2010/main" val="3787413398"/>
+        <p14:creationId xmlns:p14="http://schemas.microsoft.com/office/powerpoint/2010/main" val="125168037"/>
+      </p:ext>
+    </p:extLst>
+  </p:cSld>
+  <p:clrMapOvr>
+    <a:masterClrMapping/>
+  </p:clrMapOvr>
+</p:sld>
+</file>
+
+<file path=ppt/slides/slide9.xml><?xml version="1.0" encoding="utf-8"?>
+<p:sld xmlns:a="http://schemas.openxmlformats.org/drawingml/2006/main" xmlns:r="http://schemas.openxmlformats.org/officeDocument/2006/relationships" xmlns:p="http://schemas.openxmlformats.org/presentationml/2006/main">
+  <p:cSld>
+    <p:spTree>
+      <p:nvGrpSpPr>
+        <p:cNvPr id="1" name=""/>
+        <p:cNvGrpSpPr/>
+        <p:nvPr/>
+      </p:nvGrpSpPr>
+      <p:grpSpPr>
+        <a:xfrm>
+          <a:off x="0" y="0"/>
+          <a:ext cx="0" cy="0"/>
+          <a:chOff x="0" y="0"/>
+          <a:chExt cx="0" cy="0"/>
+        </a:xfrm>
+      </p:grpSpPr>
+      <p:sp>
+        <p:nvSpPr>
+          <p:cNvPr id="2" name="Title 1">
+            <a:extLst>
+              <a:ext uri="{FF2B5EF4-FFF2-40B4-BE49-F238E27FC236}">
+                <a16:creationId xmlns:a16="http://schemas.microsoft.com/office/drawing/2014/main" id="{EEA55008-A030-4AB5-B912-446193DED222}"/>
+              </a:ext>
+            </a:extLst>
+          </p:cNvPr>
+          <p:cNvSpPr>
+            <a:spLocks noGrp="1"/>
+          </p:cNvSpPr>
+          <p:nvPr>
+            <p:ph type="title"/>
+          </p:nvPr>
+        </p:nvSpPr>
+        <p:spPr/>
+        <p:txBody>
+          <a:bodyPr/>
+          <a:lstStyle/>
+          <a:p>
+            <a:r>
+              <a:rPr lang="en-US" b="1" dirty="0"/>
+              <a:t>PAUSE MENU CONTROLS</a:t>
+            </a:r>
+          </a:p>
+        </p:txBody>
+      </p:sp>
+      <p:sp>
+        <p:nvSpPr>
+          <p:cNvPr id="3" name="Content Placeholder 2">
+            <a:extLst>
+              <a:ext uri="{FF2B5EF4-FFF2-40B4-BE49-F238E27FC236}">
+                <a16:creationId xmlns:a16="http://schemas.microsoft.com/office/drawing/2014/main" id="{1D19953A-C2E0-4919-A08A-CDC72B903EEA}"/>
+              </a:ext>
+            </a:extLst>
+          </p:cNvPr>
+          <p:cNvSpPr>
+            <a:spLocks noGrp="1"/>
+          </p:cNvSpPr>
+          <p:nvPr>
+            <p:ph idx="1"/>
+          </p:nvPr>
+        </p:nvSpPr>
+        <p:spPr/>
+        <p:txBody>
+          <a:bodyPr/>
+          <a:lstStyle/>
+          <a:p>
+            <a:pPr>
+              <a:buFont typeface="Wingdings" panose="05000000000000000000" pitchFamily="2" charset="2"/>
+              <a:buChar char="§"/>
+            </a:pPr>
+            <a:endParaRPr lang="en-US" dirty="0"/>
+          </a:p>
+        </p:txBody>
+      </p:sp>
+      <p:sp>
+        <p:nvSpPr>
+          <p:cNvPr id="4" name="Slide Number Placeholder 3">
+            <a:extLst>
+              <a:ext uri="{FF2B5EF4-FFF2-40B4-BE49-F238E27FC236}">
+                <a16:creationId xmlns:a16="http://schemas.microsoft.com/office/drawing/2014/main" id="{C5EE9107-AA93-4086-9F6B-7BF0D9427DBA}"/>
+              </a:ext>
+            </a:extLst>
+          </p:cNvPr>
+          <p:cNvSpPr>
+            <a:spLocks noGrp="1"/>
+          </p:cNvSpPr>
+          <p:nvPr>
+            <p:ph type="sldNum" sz="quarter" idx="12"/>
+          </p:nvPr>
+        </p:nvSpPr>
+        <p:spPr/>
+        <p:txBody>
+          <a:bodyPr/>
+          <a:lstStyle/>
+          <a:p>
+            <a:fld id="{4361536F-BA69-4825-9F27-447B4204B421}" type="slidenum">
+              <a:rPr lang="en-US" smtClean="0"/>
+              <a:t>9</a:t>
+            </a:fld>
+            <a:endParaRPr lang="en-US"/>
+          </a:p>
+        </p:txBody>
+      </p:sp>
+      <p:pic>
+        <p:nvPicPr>
+          <p:cNvPr id="6" name="Picture 5">
+            <a:extLst>
+              <a:ext uri="{FF2B5EF4-FFF2-40B4-BE49-F238E27FC236}">
+                <a16:creationId xmlns:a16="http://schemas.microsoft.com/office/drawing/2014/main" id="{D46B3DB5-EC53-4631-B864-71640A151603}"/>
+              </a:ext>
+            </a:extLst>
+          </p:cNvPr>
+          <p:cNvPicPr>
+            <a:picLocks noChangeAspect="1"/>
+          </p:cNvPicPr>
+          <p:nvPr/>
+        </p:nvPicPr>
+        <p:blipFill>
+          <a:blip r:embed="rId2"/>
+          <a:stretch>
+            <a:fillRect/>
+          </a:stretch>
+        </p:blipFill>
+        <p:spPr>
+          <a:xfrm>
+            <a:off x="7187838" y="1737360"/>
+            <a:ext cx="3257018" cy="2485724"/>
+          </a:xfrm>
+          <a:prstGeom prst="rect">
+            <a:avLst/>
+          </a:prstGeom>
+        </p:spPr>
+      </p:pic>
+    </p:spTree>
+    <p:extLst>
+      <p:ext uri="{BB962C8B-B14F-4D97-AF65-F5344CB8AC3E}">
+        <p14:creationId xmlns:p14="http://schemas.microsoft.com/office/powerpoint/2010/main" val="133027099"/>
       </p:ext>
     </p:extLst>
   </p:cSld>
@@ -5268,4 +6435,299 @@
     </a:ext>
   </a:extLst>
 </a:theme>
+</file>
+
+<file path=ppt/theme/theme2.xml><?xml version="1.0" encoding="utf-8"?>
+<a:theme xmlns:a="http://schemas.openxmlformats.org/drawingml/2006/main" name="Office Theme">
+  <a:themeElements>
+    <a:clrScheme name="Office">
+      <a:dk1>
+        <a:sysClr val="windowText" lastClr="000000"/>
+      </a:dk1>
+      <a:lt1>
+        <a:sysClr val="window" lastClr="FFFFFF"/>
+      </a:lt1>
+      <a:dk2>
+        <a:srgbClr val="44546A"/>
+      </a:dk2>
+      <a:lt2>
+        <a:srgbClr val="E7E6E6"/>
+      </a:lt2>
+      <a:accent1>
+        <a:srgbClr val="4472C4"/>
+      </a:accent1>
+      <a:accent2>
+        <a:srgbClr val="ED7D31"/>
+      </a:accent2>
+      <a:accent3>
+        <a:srgbClr val="A5A5A5"/>
+      </a:accent3>
+      <a:accent4>
+        <a:srgbClr val="FFC000"/>
+      </a:accent4>
+      <a:accent5>
+        <a:srgbClr val="5B9BD5"/>
+      </a:accent5>
+      <a:accent6>
+        <a:srgbClr val="70AD47"/>
+      </a:accent6>
+      <a:hlink>
+        <a:srgbClr val="0563C1"/>
+      </a:hlink>
+      <a:folHlink>
+        <a:srgbClr val="954F72"/>
+      </a:folHlink>
+    </a:clrScheme>
+    <a:fontScheme name="Office">
+      <a:majorFont>
+        <a:latin typeface="Calibri Light" panose="020F0302020204030204"/>
+        <a:ea typeface=""/>
+        <a:cs typeface=""/>
+        <a:font script="Jpan" typeface="游ゴシック Light"/>
+        <a:font script="Hang" typeface="맑은 고딕"/>
+        <a:font script="Hans" typeface="等线 Light"/>
+        <a:font script="Hant" typeface="新細明體"/>
+        <a:font script="Arab" typeface="Times New Roman"/>
+        <a:font script="Hebr" typeface="Times New Roman"/>
+        <a:font script="Thai" typeface="Angsana New"/>
+        <a:font script="Ethi" typeface="Nyala"/>
+        <a:font script="Beng" typeface="Vrinda"/>
+        <a:font script="Gujr" typeface="Shruti"/>
+        <a:font script="Khmr" typeface="MoolBoran"/>
+        <a:font script="Knda" typeface="Tunga"/>
+        <a:font script="Guru" typeface="Raavi"/>
+        <a:font script="Cans" typeface="Euphemia"/>
+        <a:font script="Cher" typeface="Plantagenet Cherokee"/>
+        <a:font script="Yiii" typeface="Microsoft Yi Baiti"/>
+        <a:font script="Tibt" typeface="Microsoft Himalaya"/>
+        <a:font script="Thaa" typeface="MV Boli"/>
+        <a:font script="Deva" typeface="Mangal"/>
+        <a:font script="Telu" typeface="Gautami"/>
+        <a:font script="Taml" typeface="Latha"/>
+        <a:font script="Syrc" typeface="Estrangelo Edessa"/>
+        <a:font script="Orya" typeface="Kalinga"/>
+        <a:font script="Mlym" typeface="Kartika"/>
+        <a:font script="Laoo" typeface="DokChampa"/>
+        <a:font script="Sinh" typeface="Iskoola Pota"/>
+        <a:font script="Mong" typeface="Mongolian Baiti"/>
+        <a:font script="Viet" typeface="Times New Roman"/>
+        <a:font script="Uigh" typeface="Microsoft Uighur"/>
+        <a:font script="Geor" typeface="Sylfaen"/>
+        <a:font script="Armn" typeface="Arial"/>
+        <a:font script="Bugi" typeface="Leelawadee UI"/>
+        <a:font script="Bopo" typeface="Microsoft JhengHei"/>
+        <a:font script="Java" typeface="Javanese Text"/>
+        <a:font script="Lisu" typeface="Segoe UI"/>
+        <a:font script="Mymr" typeface="Myanmar Text"/>
+        <a:font script="Nkoo" typeface="Ebrima"/>
+        <a:font script="Olck" typeface="Nirmala UI"/>
+        <a:font script="Osma" typeface="Ebrima"/>
+        <a:font script="Phag" typeface="Phagspa"/>
+        <a:font script="Syrn" typeface="Estrangelo Edessa"/>
+        <a:font script="Syrj" typeface="Estrangelo Edessa"/>
+        <a:font script="Syre" typeface="Estrangelo Edessa"/>
+        <a:font script="Sora" typeface="Nirmala UI"/>
+        <a:font script="Tale" typeface="Microsoft Tai Le"/>
+        <a:font script="Talu" typeface="Microsoft New Tai Lue"/>
+        <a:font script="Tfng" typeface="Ebrima"/>
+      </a:majorFont>
+      <a:minorFont>
+        <a:latin typeface="Calibri" panose="020F0502020204030204"/>
+        <a:ea typeface=""/>
+        <a:cs typeface=""/>
+        <a:font script="Jpan" typeface="游ゴシック"/>
+        <a:font script="Hang" typeface="맑은 고딕"/>
+        <a:font script="Hans" typeface="等线"/>
+        <a:font script="Hant" typeface="新細明體"/>
+        <a:font script="Arab" typeface="Arial"/>
+        <a:font script="Hebr" typeface="Arial"/>
+        <a:font script="Thai" typeface="Cordia New"/>
+        <a:font script="Ethi" typeface="Nyala"/>
+        <a:font script="Beng" typeface="Vrinda"/>
+        <a:font script="Gujr" typeface="Shruti"/>
+        <a:font script="Khmr" typeface="DaunPenh"/>
+        <a:font script="Knda" typeface="Tunga"/>
+        <a:font script="Guru" typeface="Raavi"/>
+        <a:font script="Cans" typeface="Euphemia"/>
+        <a:font script="Cher" typeface="Plantagenet Cherokee"/>
+        <a:font script="Yiii" typeface="Microsoft Yi Baiti"/>
+        <a:font script="Tibt" typeface="Microsoft Himalaya"/>
+        <a:font script="Thaa" typeface="MV Boli"/>
+        <a:font script="Deva" typeface="Mangal"/>
+        <a:font script="Telu" typeface="Gautami"/>
+        <a:font script="Taml" typeface="Latha"/>
+        <a:font script="Syrc" typeface="Estrangelo Edessa"/>
+        <a:font script="Orya" typeface="Kalinga"/>
+        <a:font script="Mlym" typeface="Kartika"/>
+        <a:font script="Laoo" typeface="DokChampa"/>
+        <a:font script="Sinh" typeface="Iskoola Pota"/>
+        <a:font script="Mong" typeface="Mongolian Baiti"/>
+        <a:font script="Viet" typeface="Arial"/>
+        <a:font script="Uigh" typeface="Microsoft Uighur"/>
+        <a:font script="Geor" typeface="Sylfaen"/>
+        <a:font script="Armn" typeface="Arial"/>
+        <a:font script="Bugi" typeface="Leelawadee UI"/>
+        <a:font script="Bopo" typeface="Microsoft JhengHei"/>
+        <a:font script="Java" typeface="Javanese Text"/>
+        <a:font script="Lisu" typeface="Segoe UI"/>
+        <a:font script="Mymr" typeface="Myanmar Text"/>
+        <a:font script="Nkoo" typeface="Ebrima"/>
+        <a:font script="Olck" typeface="Nirmala UI"/>
+        <a:font script="Osma" typeface="Ebrima"/>
+        <a:font script="Phag" typeface="Phagspa"/>
+        <a:font script="Syrn" typeface="Estrangelo Edessa"/>
+        <a:font script="Syrj" typeface="Estrangelo Edessa"/>
+        <a:font script="Syre" typeface="Estrangelo Edessa"/>
+        <a:font script="Sora" typeface="Nirmala UI"/>
+        <a:font script="Tale" typeface="Microsoft Tai Le"/>
+        <a:font script="Talu" typeface="Microsoft New Tai Lue"/>
+        <a:font script="Tfng" typeface="Ebrima"/>
+      </a:minorFont>
+    </a:fontScheme>
+    <a:fmtScheme name="Office">
+      <a:fillStyleLst>
+        <a:solidFill>
+          <a:schemeClr val="phClr"/>
+        </a:solidFill>
+        <a:gradFill rotWithShape="1">
+          <a:gsLst>
+            <a:gs pos="0">
+              <a:schemeClr val="phClr">
+                <a:lumMod val="110000"/>
+                <a:satMod val="105000"/>
+                <a:tint val="67000"/>
+              </a:schemeClr>
+            </a:gs>
+            <a:gs pos="50000">
+              <a:schemeClr val="phClr">
+                <a:lumMod val="105000"/>
+                <a:satMod val="103000"/>
+                <a:tint val="73000"/>
+              </a:schemeClr>
+            </a:gs>
+            <a:gs pos="100000">
+              <a:schemeClr val="phClr">
+                <a:lumMod val="105000"/>
+                <a:satMod val="109000"/>
+                <a:tint val="81000"/>
+              </a:schemeClr>
+            </a:gs>
+          </a:gsLst>
+          <a:lin ang="5400000" scaled="0"/>
+        </a:gradFill>
+        <a:gradFill rotWithShape="1">
+          <a:gsLst>
+            <a:gs pos="0">
+              <a:schemeClr val="phClr">
+                <a:satMod val="103000"/>
+                <a:lumMod val="102000"/>
+                <a:tint val="94000"/>
+              </a:schemeClr>
+            </a:gs>
+            <a:gs pos="50000">
+              <a:schemeClr val="phClr">
+                <a:satMod val="110000"/>
+                <a:lumMod val="100000"/>
+                <a:shade val="100000"/>
+              </a:schemeClr>
+            </a:gs>
+            <a:gs pos="100000">
+              <a:schemeClr val="phClr">
+                <a:lumMod val="99000"/>
+                <a:satMod val="120000"/>
+                <a:shade val="78000"/>
+              </a:schemeClr>
+            </a:gs>
+          </a:gsLst>
+          <a:lin ang="5400000" scaled="0"/>
+        </a:gradFill>
+      </a:fillStyleLst>
+      <a:lnStyleLst>
+        <a:ln w="6350" cap="flat" cmpd="sng" algn="ctr">
+          <a:solidFill>
+            <a:schemeClr val="phClr"/>
+          </a:solidFill>
+          <a:prstDash val="solid"/>
+          <a:miter lim="800000"/>
+        </a:ln>
+        <a:ln w="12700" cap="flat" cmpd="sng" algn="ctr">
+          <a:solidFill>
+            <a:schemeClr val="phClr"/>
+          </a:solidFill>
+          <a:prstDash val="solid"/>
+          <a:miter lim="800000"/>
+        </a:ln>
+        <a:ln w="19050" cap="flat" cmpd="sng" algn="ctr">
+          <a:solidFill>
+            <a:schemeClr val="phClr"/>
+          </a:solidFill>
+          <a:prstDash val="solid"/>
+          <a:miter lim="800000"/>
+        </a:ln>
+      </a:lnStyleLst>
+      <a:effectStyleLst>
+        <a:effectStyle>
+          <a:effectLst/>
+        </a:effectStyle>
+        <a:effectStyle>
+          <a:effectLst/>
+        </a:effectStyle>
+        <a:effectStyle>
+          <a:effectLst>
+            <a:outerShdw blurRad="57150" dist="19050" dir="5400000" algn="ctr" rotWithShape="0">
+              <a:srgbClr val="000000">
+                <a:alpha val="63000"/>
+              </a:srgbClr>
+            </a:outerShdw>
+          </a:effectLst>
+        </a:effectStyle>
+      </a:effectStyleLst>
+      <a:bgFillStyleLst>
+        <a:solidFill>
+          <a:schemeClr val="phClr"/>
+        </a:solidFill>
+        <a:solidFill>
+          <a:schemeClr val="phClr">
+            <a:tint val="95000"/>
+            <a:satMod val="170000"/>
+          </a:schemeClr>
+        </a:solidFill>
+        <a:gradFill rotWithShape="1">
+          <a:gsLst>
+            <a:gs pos="0">
+              <a:schemeClr val="phClr">
+                <a:tint val="93000"/>
+                <a:satMod val="150000"/>
+                <a:shade val="98000"/>
+                <a:lumMod val="102000"/>
+              </a:schemeClr>
+            </a:gs>
+            <a:gs pos="50000">
+              <a:schemeClr val="phClr">
+                <a:tint val="98000"/>
+                <a:satMod val="130000"/>
+                <a:shade val="90000"/>
+                <a:lumMod val="103000"/>
+              </a:schemeClr>
+            </a:gs>
+            <a:gs pos="100000">
+              <a:schemeClr val="phClr">
+                <a:shade val="63000"/>
+                <a:satMod val="120000"/>
+              </a:schemeClr>
+            </a:gs>
+          </a:gsLst>
+          <a:lin ang="5400000" scaled="0"/>
+        </a:gradFill>
+      </a:bgFillStyleLst>
+    </a:fmtScheme>
+  </a:themeElements>
+  <a:objectDefaults/>
+  <a:extraClrSchemeLst/>
+  <a:extLst>
+    <a:ext uri="{05A4C25C-085E-4340-85A3-A5531E510DB2}">
+      <thm15:themeFamily xmlns:thm15="http://schemas.microsoft.com/office/thememl/2012/main" name="Office Theme" id="{62F939B6-93AF-4DB8-9C6B-D6C7DFDC589F}" vid="{4A3C46E8-61CC-4603-A589-7422A47A8E4A}"/>
+    </a:ext>
+  </a:extLst>
+</a:theme>
 </file>